--- a/Portfolio-Projects/Income-Ancestry/Income-and-Ancestry-Presentation.pptx
+++ b/Portfolio-Projects/Income-Ancestry/Income-and-Ancestry-Presentation.pptx
@@ -361,7 +361,7 @@
           <a:p>
             <a:fld id="{846CE7D5-CF57-46EF-B807-FDD0502418D4}" type="datetimeFigureOut">
               <a:rPr lang="en-US" smtClean="0"/>
-              <a:t>7/29/2022</a:t>
+              <a:t>8/5/2022</a:t>
             </a:fld>
             <a:endParaRPr lang="en-US"/>
           </a:p>
@@ -569,7 +569,7 @@
           <a:p>
             <a:fld id="{846CE7D5-CF57-46EF-B807-FDD0502418D4}" type="datetimeFigureOut">
               <a:rPr lang="en-US" smtClean="0"/>
-              <a:t>7/29/2022</a:t>
+              <a:t>8/5/2022</a:t>
             </a:fld>
             <a:endParaRPr lang="en-US"/>
           </a:p>
@@ -825,7 +825,7 @@
           <a:p>
             <a:fld id="{846CE7D5-CF57-46EF-B807-FDD0502418D4}" type="datetimeFigureOut">
               <a:rPr lang="en-US" smtClean="0"/>
-              <a:t>7/29/2022</a:t>
+              <a:t>8/5/2022</a:t>
             </a:fld>
             <a:endParaRPr lang="en-US"/>
           </a:p>
@@ -999,7 +999,7 @@
           <a:p>
             <a:fld id="{846CE7D5-CF57-46EF-B807-FDD0502418D4}" type="datetimeFigureOut">
               <a:rPr lang="en-US" smtClean="0"/>
-              <a:t>7/29/2022</a:t>
+              <a:t>8/5/2022</a:t>
             </a:fld>
             <a:endParaRPr lang="en-US"/>
           </a:p>
@@ -1342,7 +1342,7 @@
           <a:p>
             <a:fld id="{846CE7D5-CF57-46EF-B807-FDD0502418D4}" type="datetimeFigureOut">
               <a:rPr lang="en-US" smtClean="0"/>
-              <a:t>7/29/2022</a:t>
+              <a:t>8/5/2022</a:t>
             </a:fld>
             <a:endParaRPr lang="en-US"/>
           </a:p>
@@ -1617,7 +1617,7 @@
           <a:p>
             <a:fld id="{846CE7D5-CF57-46EF-B807-FDD0502418D4}" type="datetimeFigureOut">
               <a:rPr lang="en-US" smtClean="0"/>
-              <a:t>7/29/2022</a:t>
+              <a:t>8/5/2022</a:t>
             </a:fld>
             <a:endParaRPr lang="en-US"/>
           </a:p>
@@ -1996,7 +1996,7 @@
           <a:p>
             <a:fld id="{846CE7D5-CF57-46EF-B807-FDD0502418D4}" type="datetimeFigureOut">
               <a:rPr lang="en-US" smtClean="0"/>
-              <a:t>7/29/2022</a:t>
+              <a:t>8/5/2022</a:t>
             </a:fld>
             <a:endParaRPr lang="en-US"/>
           </a:p>
@@ -2114,7 +2114,7 @@
           <a:p>
             <a:fld id="{846CE7D5-CF57-46EF-B807-FDD0502418D4}" type="datetimeFigureOut">
               <a:rPr lang="en-US" smtClean="0"/>
-              <a:t>7/29/2022</a:t>
+              <a:t>8/5/2022</a:t>
             </a:fld>
             <a:endParaRPr lang="en-US"/>
           </a:p>
@@ -2285,7 +2285,7 @@
           <a:p>
             <a:fld id="{846CE7D5-CF57-46EF-B807-FDD0502418D4}" type="datetimeFigureOut">
               <a:rPr lang="en-US" smtClean="0"/>
-              <a:t>7/29/2022</a:t>
+              <a:t>8/5/2022</a:t>
             </a:fld>
             <a:endParaRPr lang="en-US"/>
           </a:p>
@@ -2639,7 +2639,7 @@
           <a:p>
             <a:fld id="{846CE7D5-CF57-46EF-B807-FDD0502418D4}" type="datetimeFigureOut">
               <a:rPr lang="en-US" smtClean="0"/>
-              <a:t>7/29/2022</a:t>
+              <a:t>8/5/2022</a:t>
             </a:fld>
             <a:endParaRPr lang="en-US"/>
           </a:p>
@@ -3021,7 +3021,7 @@
           <a:p>
             <a:fld id="{846CE7D5-CF57-46EF-B807-FDD0502418D4}" type="datetimeFigureOut">
               <a:rPr lang="en-US" smtClean="0"/>
-              <a:t>7/29/2022</a:t>
+              <a:t>8/5/2022</a:t>
             </a:fld>
             <a:endParaRPr lang="en-US"/>
           </a:p>
@@ -3308,7 +3308,7 @@
           <a:p>
             <a:fld id="{846CE7D5-CF57-46EF-B807-FDD0502418D4}" type="datetimeFigureOut">
               <a:rPr lang="en-US" smtClean="0"/>
-              <a:t>7/29/2022</a:t>
+              <a:t>8/5/2022</a:t>
             </a:fld>
             <a:endParaRPr lang="en-US"/>
           </a:p>
@@ -5445,7 +5445,7 @@
       </p:sp>
       <p:pic>
         <p:nvPicPr>
-          <p:cNvPr id="7" name="Picture 7" descr="Chart&#10;&#10;Description automatically generated">
+          <p:cNvPr id="7" name="Picture 7" descr="Chart&#10;&#10;Bar chart showing number of respondents reporting 0, 1, 2, 3, or 4 grandparents born outside the U.S. 0 makes up the vast majority.">
             <a:extLst>
               <a:ext uri="{FF2B5EF4-FFF2-40B4-BE49-F238E27FC236}">
                 <a16:creationId xmlns:a16="http://schemas.microsoft.com/office/drawing/2014/main" id="{5855C92B-D231-41EB-9FE9-6C9A985B2B52}"/>
@@ -5472,204 +5472,6 @@
           </a:xfrm>
         </p:spPr>
       </p:pic>
-      <p:sp>
-        <p:nvSpPr>
-          <p:cNvPr id="9" name="Content Placeholder 2">
-            <a:extLst>
-              <a:ext uri="{FF2B5EF4-FFF2-40B4-BE49-F238E27FC236}">
-                <a16:creationId xmlns:a16="http://schemas.microsoft.com/office/drawing/2014/main" id="{DCBE4FDA-577F-46DD-9BC9-086A99C1AC6A}"/>
-              </a:ext>
-            </a:extLst>
-          </p:cNvPr>
-          <p:cNvSpPr txBox="1">
-            <a:spLocks/>
-          </p:cNvSpPr>
-          <p:nvPr/>
-        </p:nvSpPr>
-        <p:spPr>
-          <a:xfrm>
-            <a:off x="843505" y="4246524"/>
-            <a:ext cx="5157787" cy="1742419"/>
-          </a:xfrm>
-          <a:prstGeom prst="rect">
-            <a:avLst/>
-          </a:prstGeom>
-        </p:spPr>
-        <p:txBody>
-          <a:bodyPr vert="horz" lIns="91440" tIns="45720" rIns="91440" bIns="45720" rtlCol="0" anchor="t">
-            <a:normAutofit/>
-          </a:bodyPr>
-          <a:lstStyle>
-            <a:lvl1pPr marL="228600" indent="-228600" algn="l" defTabSz="914400" rtl="0" eaLnBrk="1" latinLnBrk="0" hangingPunct="1">
-              <a:lnSpc>
-                <a:spcPct val="90000"/>
-              </a:lnSpc>
-              <a:spcBef>
-                <a:spcPts val="1000"/>
-              </a:spcBef>
-              <a:buFont typeface="Arial" panose="020B0604020202020204" pitchFamily="34" charset="0"/>
-              <a:buChar char="•"/>
-              <a:defRPr sz="2800" kern="1200">
-                <a:solidFill>
-                  <a:schemeClr val="tx1"/>
-                </a:solidFill>
-                <a:latin typeface="+mn-lt"/>
-                <a:ea typeface="+mn-ea"/>
-                <a:cs typeface="+mn-cs"/>
-              </a:defRPr>
-            </a:lvl1pPr>
-            <a:lvl2pPr marL="685800" indent="-228600" algn="l" defTabSz="914400" rtl="0" eaLnBrk="1" latinLnBrk="0" hangingPunct="1">
-              <a:lnSpc>
-                <a:spcPct val="90000"/>
-              </a:lnSpc>
-              <a:spcBef>
-                <a:spcPts val="500"/>
-              </a:spcBef>
-              <a:buFont typeface="Arial" panose="020B0604020202020204" pitchFamily="34" charset="0"/>
-              <a:buChar char="•"/>
-              <a:defRPr sz="2400" kern="1200">
-                <a:solidFill>
-                  <a:schemeClr val="tx1"/>
-                </a:solidFill>
-                <a:latin typeface="+mn-lt"/>
-                <a:ea typeface="+mn-ea"/>
-                <a:cs typeface="+mn-cs"/>
-              </a:defRPr>
-            </a:lvl2pPr>
-            <a:lvl3pPr marL="1143000" indent="-228600" algn="l" defTabSz="914400" rtl="0" eaLnBrk="1" latinLnBrk="0" hangingPunct="1">
-              <a:lnSpc>
-                <a:spcPct val="90000"/>
-              </a:lnSpc>
-              <a:spcBef>
-                <a:spcPts val="500"/>
-              </a:spcBef>
-              <a:buFont typeface="Arial" panose="020B0604020202020204" pitchFamily="34" charset="0"/>
-              <a:buChar char="•"/>
-              <a:defRPr sz="2000" kern="1200">
-                <a:solidFill>
-                  <a:schemeClr val="tx1"/>
-                </a:solidFill>
-                <a:latin typeface="+mn-lt"/>
-                <a:ea typeface="+mn-ea"/>
-                <a:cs typeface="+mn-cs"/>
-              </a:defRPr>
-            </a:lvl3pPr>
-            <a:lvl4pPr marL="1600200" indent="-228600" algn="l" defTabSz="914400" rtl="0" eaLnBrk="1" latinLnBrk="0" hangingPunct="1">
-              <a:lnSpc>
-                <a:spcPct val="90000"/>
-              </a:lnSpc>
-              <a:spcBef>
-                <a:spcPts val="500"/>
-              </a:spcBef>
-              <a:buFont typeface="Arial" panose="020B0604020202020204" pitchFamily="34" charset="0"/>
-              <a:buChar char="•"/>
-              <a:defRPr sz="1800" kern="1200">
-                <a:solidFill>
-                  <a:schemeClr val="tx1"/>
-                </a:solidFill>
-                <a:latin typeface="+mn-lt"/>
-                <a:ea typeface="+mn-ea"/>
-                <a:cs typeface="+mn-cs"/>
-              </a:defRPr>
-            </a:lvl4pPr>
-            <a:lvl5pPr marL="2057400" indent="-228600" algn="l" defTabSz="914400" rtl="0" eaLnBrk="1" latinLnBrk="0" hangingPunct="1">
-              <a:lnSpc>
-                <a:spcPct val="90000"/>
-              </a:lnSpc>
-              <a:spcBef>
-                <a:spcPts val="500"/>
-              </a:spcBef>
-              <a:buFont typeface="Arial" panose="020B0604020202020204" pitchFamily="34" charset="0"/>
-              <a:buChar char="•"/>
-              <a:defRPr sz="1800" kern="1200">
-                <a:solidFill>
-                  <a:schemeClr val="tx1"/>
-                </a:solidFill>
-                <a:latin typeface="+mn-lt"/>
-                <a:ea typeface="+mn-ea"/>
-                <a:cs typeface="+mn-cs"/>
-              </a:defRPr>
-            </a:lvl5pPr>
-            <a:lvl6pPr marL="2514600" indent="-228600" algn="l" defTabSz="914400" rtl="0" eaLnBrk="1" latinLnBrk="0" hangingPunct="1">
-              <a:lnSpc>
-                <a:spcPct val="90000"/>
-              </a:lnSpc>
-              <a:spcBef>
-                <a:spcPts val="500"/>
-              </a:spcBef>
-              <a:buFont typeface="Arial" panose="020B0604020202020204" pitchFamily="34" charset="0"/>
-              <a:buChar char="•"/>
-              <a:defRPr sz="1800" kern="1200">
-                <a:solidFill>
-                  <a:schemeClr val="tx1"/>
-                </a:solidFill>
-                <a:latin typeface="+mn-lt"/>
-                <a:ea typeface="+mn-ea"/>
-                <a:cs typeface="+mn-cs"/>
-              </a:defRPr>
-            </a:lvl6pPr>
-            <a:lvl7pPr marL="2971800" indent="-228600" algn="l" defTabSz="914400" rtl="0" eaLnBrk="1" latinLnBrk="0" hangingPunct="1">
-              <a:lnSpc>
-                <a:spcPct val="90000"/>
-              </a:lnSpc>
-              <a:spcBef>
-                <a:spcPts val="500"/>
-              </a:spcBef>
-              <a:buFont typeface="Arial" panose="020B0604020202020204" pitchFamily="34" charset="0"/>
-              <a:buChar char="•"/>
-              <a:defRPr sz="1800" kern="1200">
-                <a:solidFill>
-                  <a:schemeClr val="tx1"/>
-                </a:solidFill>
-                <a:latin typeface="+mn-lt"/>
-                <a:ea typeface="+mn-ea"/>
-                <a:cs typeface="+mn-cs"/>
-              </a:defRPr>
-            </a:lvl7pPr>
-            <a:lvl8pPr marL="3429000" indent="-228600" algn="l" defTabSz="914400" rtl="0" eaLnBrk="1" latinLnBrk="0" hangingPunct="1">
-              <a:lnSpc>
-                <a:spcPct val="90000"/>
-              </a:lnSpc>
-              <a:spcBef>
-                <a:spcPts val="500"/>
-              </a:spcBef>
-              <a:buFont typeface="Arial" panose="020B0604020202020204" pitchFamily="34" charset="0"/>
-              <a:buChar char="•"/>
-              <a:defRPr sz="1800" kern="1200">
-                <a:solidFill>
-                  <a:schemeClr val="tx1"/>
-                </a:solidFill>
-                <a:latin typeface="+mn-lt"/>
-                <a:ea typeface="+mn-ea"/>
-                <a:cs typeface="+mn-cs"/>
-              </a:defRPr>
-            </a:lvl8pPr>
-            <a:lvl9pPr marL="3886200" indent="-228600" algn="l" defTabSz="914400" rtl="0" eaLnBrk="1" latinLnBrk="0" hangingPunct="1">
-              <a:lnSpc>
-                <a:spcPct val="90000"/>
-              </a:lnSpc>
-              <a:spcBef>
-                <a:spcPts val="500"/>
-              </a:spcBef>
-              <a:buFont typeface="Arial" panose="020B0604020202020204" pitchFamily="34" charset="0"/>
-              <a:buChar char="•"/>
-              <a:defRPr sz="1800" kern="1200">
-                <a:solidFill>
-                  <a:schemeClr val="tx1"/>
-                </a:solidFill>
-                <a:latin typeface="+mn-lt"/>
-                <a:ea typeface="+mn-ea"/>
-                <a:cs typeface="+mn-cs"/>
-              </a:defRPr>
-            </a:lvl9pPr>
-          </a:lstStyle>
-          <a:p>
-            <a:endParaRPr lang="en-US" dirty="0">
-              <a:cs typeface="Calibri"/>
-            </a:endParaRPr>
-          </a:p>
-        </p:txBody>
-      </p:sp>
     </p:spTree>
     <p:extLst>
       <p:ext uri="{BB962C8B-B14F-4D97-AF65-F5344CB8AC3E}">
